--- a/materiale_raw/FastAPI-API Intro.pptx
+++ b/materiale_raw/FastAPI-API Intro.pptx
@@ -9,35 +9,43 @@
     <p:sldId id="258" r:id="rId3"/>
     <p:sldId id="265" r:id="rId4"/>
     <p:sldId id="261" r:id="rId5"/>
-    <p:sldId id="262" r:id="rId6"/>
-    <p:sldId id="266" r:id="rId7"/>
-    <p:sldId id="267" r:id="rId8"/>
-    <p:sldId id="268" r:id="rId9"/>
-    <p:sldId id="269" r:id="rId10"/>
+    <p:sldId id="270" r:id="rId6"/>
+    <p:sldId id="262" r:id="rId7"/>
+    <p:sldId id="266" r:id="rId8"/>
+    <p:sldId id="267" r:id="rId9"/>
+    <p:sldId id="268" r:id="rId10"/>
+    <p:sldId id="269" r:id="rId11"/>
   </p:sldIdLst>
   <p:sldSz cx="18288000" cy="10287000"/>
   <p:notesSz cx="6858000" cy="9144000"/>
   <p:embeddedFontLst>
     <p:embeddedFont>
       <p:font typeface="Calibri" panose="020F0502020204030204" pitchFamily="34" charset="0"/>
-      <p:regular r:id="rId11"/>
-      <p:bold r:id="rId12"/>
-      <p:italic r:id="rId13"/>
-      <p:boldItalic r:id="rId14"/>
+      <p:regular r:id="rId12"/>
+      <p:bold r:id="rId13"/>
+      <p:italic r:id="rId14"/>
+      <p:boldItalic r:id="rId15"/>
+    </p:embeddedFont>
+    <p:embeddedFont>
+      <p:font typeface="Consolas" panose="020B0609020204030204" pitchFamily="49" charset="0"/>
+      <p:regular r:id="rId16"/>
+      <p:bold r:id="rId17"/>
+      <p:italic r:id="rId18"/>
+      <p:boldItalic r:id="rId19"/>
     </p:embeddedFont>
     <p:embeddedFont>
       <p:font typeface="Montserrat Classic" panose="020B0604020202020204" charset="0"/>
-      <p:regular r:id="rId15"/>
-      <p:bold r:id="rId16"/>
-      <p:italic r:id="rId17"/>
-      <p:boldItalic r:id="rId18"/>
+      <p:regular r:id="rId20"/>
+      <p:bold r:id="rId21"/>
+      <p:italic r:id="rId22"/>
+      <p:boldItalic r:id="rId23"/>
     </p:embeddedFont>
     <p:embeddedFont>
       <p:font typeface="Montserrat Classic Bold" panose="020B0604020202020204" charset="0"/>
-      <p:regular r:id="rId19"/>
-      <p:bold r:id="rId20"/>
-      <p:italic r:id="rId21"/>
-      <p:boldItalic r:id="rId22"/>
+      <p:regular r:id="rId24"/>
+      <p:bold r:id="rId25"/>
+      <p:italic r:id="rId26"/>
+      <p:boldItalic r:id="rId27"/>
     </p:embeddedFont>
   </p:embeddedFontLst>
   <p:defaultTextStyle>
@@ -334,7 +342,7 @@
             <a:fld id="{1D8BD707-D9CF-40AE-B4C6-C98DA3205C09}" type="datetimeFigureOut">
               <a:rPr lang="en-US" smtClean="0"/>
               <a:pPr/>
-              <a:t>9/9/2021</a:t>
+              <a:t>9/13/2021</a:t>
             </a:fld>
             <a:endParaRPr lang="en-US"/>
           </a:p>
@@ -499,7 +507,7 @@
             <a:fld id="{1D8BD707-D9CF-40AE-B4C6-C98DA3205C09}" type="datetimeFigureOut">
               <a:rPr lang="en-US" smtClean="0"/>
               <a:pPr/>
-              <a:t>9/9/2021</a:t>
+              <a:t>9/13/2021</a:t>
             </a:fld>
             <a:endParaRPr lang="en-US"/>
           </a:p>
@@ -674,7 +682,7 @@
             <a:fld id="{1D8BD707-D9CF-40AE-B4C6-C98DA3205C09}" type="datetimeFigureOut">
               <a:rPr lang="en-US" smtClean="0"/>
               <a:pPr/>
-              <a:t>9/9/2021</a:t>
+              <a:t>9/13/2021</a:t>
             </a:fld>
             <a:endParaRPr lang="en-US"/>
           </a:p>
@@ -839,7 +847,7 @@
             <a:fld id="{1D8BD707-D9CF-40AE-B4C6-C98DA3205C09}" type="datetimeFigureOut">
               <a:rPr lang="en-US" smtClean="0"/>
               <a:pPr/>
-              <a:t>9/9/2021</a:t>
+              <a:t>9/13/2021</a:t>
             </a:fld>
             <a:endParaRPr lang="en-US"/>
           </a:p>
@@ -1081,7 +1089,7 @@
             <a:fld id="{1D8BD707-D9CF-40AE-B4C6-C98DA3205C09}" type="datetimeFigureOut">
               <a:rPr lang="en-US" smtClean="0"/>
               <a:pPr/>
-              <a:t>9/9/2021</a:t>
+              <a:t>9/13/2021</a:t>
             </a:fld>
             <a:endParaRPr lang="en-US"/>
           </a:p>
@@ -1363,7 +1371,7 @@
             <a:fld id="{1D8BD707-D9CF-40AE-B4C6-C98DA3205C09}" type="datetimeFigureOut">
               <a:rPr lang="en-US" smtClean="0"/>
               <a:pPr/>
-              <a:t>9/9/2021</a:t>
+              <a:t>9/13/2021</a:t>
             </a:fld>
             <a:endParaRPr lang="en-US"/>
           </a:p>
@@ -1779,7 +1787,7 @@
             <a:fld id="{1D8BD707-D9CF-40AE-B4C6-C98DA3205C09}" type="datetimeFigureOut">
               <a:rPr lang="en-US" smtClean="0"/>
               <a:pPr/>
-              <a:t>9/9/2021</a:t>
+              <a:t>9/13/2021</a:t>
             </a:fld>
             <a:endParaRPr lang="en-US"/>
           </a:p>
@@ -1893,7 +1901,7 @@
             <a:fld id="{1D8BD707-D9CF-40AE-B4C6-C98DA3205C09}" type="datetimeFigureOut">
               <a:rPr lang="en-US" smtClean="0"/>
               <a:pPr/>
-              <a:t>9/9/2021</a:t>
+              <a:t>9/13/2021</a:t>
             </a:fld>
             <a:endParaRPr lang="en-US"/>
           </a:p>
@@ -1985,7 +1993,7 @@
             <a:fld id="{1D8BD707-D9CF-40AE-B4C6-C98DA3205C09}" type="datetimeFigureOut">
               <a:rPr lang="en-US" smtClean="0"/>
               <a:pPr/>
-              <a:t>9/9/2021</a:t>
+              <a:t>9/13/2021</a:t>
             </a:fld>
             <a:endParaRPr lang="en-US"/>
           </a:p>
@@ -2257,7 +2265,7 @@
             <a:fld id="{1D8BD707-D9CF-40AE-B4C6-C98DA3205C09}" type="datetimeFigureOut">
               <a:rPr lang="en-US" smtClean="0"/>
               <a:pPr/>
-              <a:t>9/9/2021</a:t>
+              <a:t>9/13/2021</a:t>
             </a:fld>
             <a:endParaRPr lang="en-US"/>
           </a:p>
@@ -2506,7 +2514,7 @@
             <a:fld id="{1D8BD707-D9CF-40AE-B4C6-C98DA3205C09}" type="datetimeFigureOut">
               <a:rPr lang="en-US" smtClean="0"/>
               <a:pPr/>
-              <a:t>9/9/2021</a:t>
+              <a:t>9/13/2021</a:t>
             </a:fld>
             <a:endParaRPr lang="en-US"/>
           </a:p>
@@ -2714,7 +2722,7 @@
             <a:fld id="{1D8BD707-D9CF-40AE-B4C6-C98DA3205C09}" type="datetimeFigureOut">
               <a:rPr lang="en-US" smtClean="0"/>
               <a:pPr/>
-              <a:t>9/9/2021</a:t>
+              <a:t>9/13/2021</a:t>
             </a:fld>
             <a:endParaRPr lang="en-US"/>
           </a:p>
@@ -3379,6 +3387,449 @@
 </p:sld>
 </file>
 
+<file path=ppt/slides/slide10.xml><?xml version="1.0" encoding="utf-8"?>
+<p:sld xmlns:a="http://schemas.openxmlformats.org/drawingml/2006/main" xmlns:r="http://schemas.openxmlformats.org/officeDocument/2006/relationships" xmlns:p="http://schemas.openxmlformats.org/presentationml/2006/main">
+  <p:cSld>
+    <p:bg>
+      <p:bgPr>
+        <a:solidFill>
+          <a:srgbClr val="011C5D"/>
+        </a:solidFill>
+        <a:effectLst/>
+      </p:bgPr>
+    </p:bg>
+    <p:spTree>
+      <p:nvGrpSpPr>
+        <p:cNvPr id="1" name=""/>
+        <p:cNvGrpSpPr/>
+        <p:nvPr/>
+      </p:nvGrpSpPr>
+      <p:grpSpPr>
+        <a:xfrm>
+          <a:off x="0" y="0"/>
+          <a:ext cx="0" cy="0"/>
+          <a:chOff x="0" y="0"/>
+          <a:chExt cx="0" cy="0"/>
+        </a:xfrm>
+      </p:grpSpPr>
+      <p:pic>
+        <p:nvPicPr>
+          <p:cNvPr id="2" name="Picture 2"/>
+          <p:cNvPicPr>
+            <a:picLocks noChangeAspect="1"/>
+          </p:cNvPicPr>
+          <p:nvPr/>
+        </p:nvPicPr>
+        <p:blipFill>
+          <a:blip r:embed="rId2">
+            <a:extLst>
+              <a:ext uri="{28A0092B-C50C-407E-A947-70E740481C1C}">
+                <a14:useLocalDpi xmlns:a14="http://schemas.microsoft.com/office/drawing/2010/main" val="0"/>
+              </a:ext>
+            </a:extLst>
+          </a:blip>
+          <a:stretch>
+            <a:fillRect/>
+          </a:stretch>
+        </p:blipFill>
+        <p:spPr>
+          <a:xfrm rot="-2700000">
+            <a:off x="-3975646" y="-3713131"/>
+            <a:ext cx="7621416" cy="6783373"/>
+          </a:xfrm>
+          <a:prstGeom prst="rect">
+            <a:avLst/>
+          </a:prstGeom>
+        </p:spPr>
+      </p:pic>
+      <p:pic>
+        <p:nvPicPr>
+          <p:cNvPr id="3" name="Picture 3"/>
+          <p:cNvPicPr>
+            <a:picLocks noChangeAspect="1"/>
+          </p:cNvPicPr>
+          <p:nvPr/>
+        </p:nvPicPr>
+        <p:blipFill>
+          <a:blip r:embed="rId2">
+            <a:extLst>
+              <a:ext uri="{28A0092B-C50C-407E-A947-70E740481C1C}">
+                <a14:useLocalDpi xmlns:a14="http://schemas.microsoft.com/office/drawing/2010/main" val="0"/>
+              </a:ext>
+            </a:extLst>
+          </a:blip>
+          <a:stretch>
+            <a:fillRect/>
+          </a:stretch>
+        </p:blipFill>
+        <p:spPr>
+          <a:xfrm rot="8256147">
+            <a:off x="15788528" y="7172542"/>
+            <a:ext cx="6620334" cy="6228917"/>
+          </a:xfrm>
+          <a:prstGeom prst="rect">
+            <a:avLst/>
+          </a:prstGeom>
+        </p:spPr>
+      </p:pic>
+      <p:pic>
+        <p:nvPicPr>
+          <p:cNvPr id="4" name="Picture 4"/>
+          <p:cNvPicPr>
+            <a:picLocks noChangeAspect="1"/>
+          </p:cNvPicPr>
+          <p:nvPr/>
+        </p:nvPicPr>
+        <p:blipFill>
+          <a:blip r:embed="rId3"/>
+          <a:srcRect/>
+          <a:stretch>
+            <a:fillRect/>
+          </a:stretch>
+        </p:blipFill>
+        <p:spPr>
+          <a:xfrm>
+            <a:off x="17068800" y="495300"/>
+            <a:ext cx="884674" cy="670694"/>
+          </a:xfrm>
+          <a:prstGeom prst="rect">
+            <a:avLst/>
+          </a:prstGeom>
+        </p:spPr>
+      </p:pic>
+      <p:sp>
+        <p:nvSpPr>
+          <p:cNvPr id="7" name="TextBox 7"/>
+          <p:cNvSpPr txBox="1"/>
+          <p:nvPr/>
+        </p:nvSpPr>
+        <p:spPr>
+          <a:xfrm>
+            <a:off x="2375553" y="647700"/>
+            <a:ext cx="11730560" cy="7478970"/>
+          </a:xfrm>
+          <a:prstGeom prst="rect">
+            <a:avLst/>
+          </a:prstGeom>
+        </p:spPr>
+        <p:txBody>
+          <a:bodyPr wrap="square" lIns="0" tIns="0" rIns="0" bIns="0" rtlCol="0" anchor="t">
+            <a:spAutoFit/>
+          </a:bodyPr>
+          <a:lstStyle/>
+          <a:p>
+            <a:pPr>
+              <a:spcBef>
+                <a:spcPct val="0"/>
+              </a:spcBef>
+            </a:pPr>
+            <a:r>
+              <a:rPr lang="en-US" sz="5400" spc="56" dirty="0">
+                <a:solidFill>
+                  <a:srgbClr val="FFFFFF"/>
+                </a:solidFill>
+                <a:latin typeface="Montserrat Classic Bold"/>
+              </a:rPr>
+              <a:t>REST </a:t>
+            </a:r>
+            <a:r>
+              <a:rPr lang="en-US" sz="5400" spc="56">
+                <a:solidFill>
+                  <a:srgbClr val="FFFFFF"/>
+                </a:solidFill>
+                <a:latin typeface="Montserrat Classic Bold"/>
+              </a:rPr>
+              <a:t>– Errori </a:t>
+            </a:r>
+            <a:r>
+              <a:rPr lang="en-US" sz="5400" spc="56" dirty="0">
+                <a:solidFill>
+                  <a:srgbClr val="FFFFFF"/>
+                </a:solidFill>
+                <a:latin typeface="Montserrat Classic Bold"/>
+              </a:rPr>
+              <a:t>HTTP</a:t>
+            </a:r>
+          </a:p>
+          <a:p>
+            <a:pPr>
+              <a:spcBef>
+                <a:spcPct val="0"/>
+              </a:spcBef>
+            </a:pPr>
+            <a:endParaRPr lang="en-US" sz="2400" spc="56" dirty="0">
+              <a:solidFill>
+                <a:srgbClr val="FFFFFF"/>
+              </a:solidFill>
+              <a:latin typeface="Montserrat Classic Bold"/>
+            </a:endParaRPr>
+          </a:p>
+          <a:p>
+            <a:pPr>
+              <a:spcBef>
+                <a:spcPct val="0"/>
+              </a:spcBef>
+            </a:pPr>
+            <a:endParaRPr lang="en-US" sz="2400" spc="56" dirty="0">
+              <a:solidFill>
+                <a:srgbClr val="FFFFFF"/>
+              </a:solidFill>
+              <a:latin typeface="Montserrat Classic Bold"/>
+            </a:endParaRPr>
+          </a:p>
+          <a:p>
+            <a:pPr>
+              <a:spcBef>
+                <a:spcPct val="0"/>
+              </a:spcBef>
+            </a:pPr>
+            <a:endParaRPr lang="en-US" sz="2400" spc="56" dirty="0">
+              <a:solidFill>
+                <a:srgbClr val="FFFFFF"/>
+              </a:solidFill>
+              <a:latin typeface="Montserrat Classic Bold"/>
+            </a:endParaRPr>
+          </a:p>
+          <a:p>
+            <a:pPr>
+              <a:spcBef>
+                <a:spcPct val="0"/>
+              </a:spcBef>
+            </a:pPr>
+            <a:endParaRPr lang="en-US" sz="2400" spc="56" dirty="0">
+              <a:solidFill>
+                <a:srgbClr val="FFFFFF"/>
+              </a:solidFill>
+              <a:latin typeface="Montserrat Classic Bold"/>
+            </a:endParaRPr>
+          </a:p>
+          <a:p>
+            <a:pPr>
+              <a:spcBef>
+                <a:spcPct val="0"/>
+              </a:spcBef>
+            </a:pPr>
+            <a:endParaRPr lang="en-US" sz="2400" spc="56" dirty="0">
+              <a:solidFill>
+                <a:srgbClr val="FFFFFF"/>
+              </a:solidFill>
+              <a:latin typeface="Montserrat Classic Bold"/>
+            </a:endParaRPr>
+          </a:p>
+          <a:p>
+            <a:pPr>
+              <a:spcBef>
+                <a:spcPct val="0"/>
+              </a:spcBef>
+            </a:pPr>
+            <a:endParaRPr lang="en-US" sz="2400" spc="56" dirty="0">
+              <a:solidFill>
+                <a:srgbClr val="FFFFFF"/>
+              </a:solidFill>
+              <a:latin typeface="Montserrat Classic Bold"/>
+            </a:endParaRPr>
+          </a:p>
+          <a:p>
+            <a:pPr>
+              <a:spcBef>
+                <a:spcPct val="0"/>
+              </a:spcBef>
+            </a:pPr>
+            <a:endParaRPr lang="en-US" sz="2400" spc="56" dirty="0">
+              <a:solidFill>
+                <a:srgbClr val="FFFFFF"/>
+              </a:solidFill>
+              <a:latin typeface="Montserrat Classic Bold"/>
+            </a:endParaRPr>
+          </a:p>
+          <a:p>
+            <a:pPr>
+              <a:spcBef>
+                <a:spcPct val="0"/>
+              </a:spcBef>
+            </a:pPr>
+            <a:endParaRPr lang="en-US" sz="2400" spc="56" dirty="0">
+              <a:solidFill>
+                <a:srgbClr val="FFFFFF"/>
+              </a:solidFill>
+              <a:latin typeface="Montserrat Classic Bold"/>
+            </a:endParaRPr>
+          </a:p>
+          <a:p>
+            <a:pPr>
+              <a:spcBef>
+                <a:spcPct val="0"/>
+              </a:spcBef>
+            </a:pPr>
+            <a:endParaRPr lang="en-US" sz="2400" spc="56" dirty="0">
+              <a:solidFill>
+                <a:srgbClr val="FFFFFF"/>
+              </a:solidFill>
+              <a:latin typeface="Montserrat Classic Bold"/>
+            </a:endParaRPr>
+          </a:p>
+          <a:p>
+            <a:pPr>
+              <a:spcBef>
+                <a:spcPct val="0"/>
+              </a:spcBef>
+            </a:pPr>
+            <a:endParaRPr lang="en-US" sz="2400" spc="56" dirty="0">
+              <a:solidFill>
+                <a:srgbClr val="FFFFFF"/>
+              </a:solidFill>
+              <a:latin typeface="Montserrat Classic Bold"/>
+            </a:endParaRPr>
+          </a:p>
+          <a:p>
+            <a:pPr>
+              <a:spcBef>
+                <a:spcPct val="0"/>
+              </a:spcBef>
+            </a:pPr>
+            <a:endParaRPr lang="en-US" sz="2400" spc="56" dirty="0">
+              <a:solidFill>
+                <a:srgbClr val="FFFFFF"/>
+              </a:solidFill>
+              <a:latin typeface="Montserrat Classic Bold"/>
+            </a:endParaRPr>
+          </a:p>
+          <a:p>
+            <a:pPr>
+              <a:spcBef>
+                <a:spcPct val="0"/>
+              </a:spcBef>
+            </a:pPr>
+            <a:endParaRPr lang="en-US" sz="2400" spc="56" dirty="0">
+              <a:solidFill>
+                <a:srgbClr val="FFFFFF"/>
+              </a:solidFill>
+              <a:latin typeface="Montserrat Classic Bold"/>
+            </a:endParaRPr>
+          </a:p>
+          <a:p>
+            <a:pPr>
+              <a:spcBef>
+                <a:spcPct val="0"/>
+              </a:spcBef>
+            </a:pPr>
+            <a:endParaRPr lang="en-US" sz="2400" spc="56" dirty="0">
+              <a:solidFill>
+                <a:srgbClr val="FFFFFF"/>
+              </a:solidFill>
+              <a:latin typeface="Montserrat Classic Bold"/>
+            </a:endParaRPr>
+          </a:p>
+          <a:p>
+            <a:pPr>
+              <a:spcBef>
+                <a:spcPct val="0"/>
+              </a:spcBef>
+            </a:pPr>
+            <a:endParaRPr lang="en-US" sz="2400" spc="56" dirty="0">
+              <a:solidFill>
+                <a:srgbClr val="FFFFFF"/>
+              </a:solidFill>
+              <a:latin typeface="Montserrat Classic Bold"/>
+            </a:endParaRPr>
+          </a:p>
+          <a:p>
+            <a:pPr>
+              <a:spcBef>
+                <a:spcPct val="0"/>
+              </a:spcBef>
+            </a:pPr>
+            <a:endParaRPr lang="en-US" sz="2400" spc="56" dirty="0">
+              <a:solidFill>
+                <a:srgbClr val="FFFFFF"/>
+              </a:solidFill>
+              <a:latin typeface="Montserrat Classic Bold"/>
+            </a:endParaRPr>
+          </a:p>
+          <a:p>
+            <a:pPr>
+              <a:spcBef>
+                <a:spcPct val="0"/>
+              </a:spcBef>
+            </a:pPr>
+            <a:endParaRPr lang="en-US" sz="2400" spc="56" dirty="0">
+              <a:solidFill>
+                <a:srgbClr val="FFFFFF"/>
+              </a:solidFill>
+              <a:latin typeface="Montserrat Classic Bold"/>
+            </a:endParaRPr>
+          </a:p>
+          <a:p>
+            <a:pPr>
+              <a:spcBef>
+                <a:spcPct val="0"/>
+              </a:spcBef>
+            </a:pPr>
+            <a:endParaRPr lang="en-US" sz="2400" spc="56" dirty="0">
+              <a:solidFill>
+                <a:srgbClr val="FFFFFF"/>
+              </a:solidFill>
+              <a:latin typeface="Montserrat Classic Bold"/>
+            </a:endParaRPr>
+          </a:p>
+          <a:p>
+            <a:pPr>
+              <a:spcBef>
+                <a:spcPct val="0"/>
+              </a:spcBef>
+            </a:pPr>
+            <a:endParaRPr lang="en-US" sz="2400" spc="56" dirty="0">
+              <a:solidFill>
+                <a:srgbClr val="FFFFFF"/>
+              </a:solidFill>
+              <a:latin typeface="Montserrat Classic Bold"/>
+            </a:endParaRPr>
+          </a:p>
+        </p:txBody>
+      </p:sp>
+      <p:pic>
+        <p:nvPicPr>
+          <p:cNvPr id="9" name="Immagine 6">
+            <a:extLst>
+              <a:ext uri="{FF2B5EF4-FFF2-40B4-BE49-F238E27FC236}">
+                <a16:creationId xmlns:a16="http://schemas.microsoft.com/office/drawing/2014/main" id="{B303544F-4FFE-498D-82C1-9A1A3FC97A09}"/>
+              </a:ext>
+            </a:extLst>
+          </p:cNvPr>
+          <p:cNvPicPr>
+            <a:picLocks noChangeAspect="1"/>
+          </p:cNvPicPr>
+          <p:nvPr/>
+        </p:nvPicPr>
+        <p:blipFill>
+          <a:blip r:embed="rId4"/>
+          <a:stretch>
+            <a:fillRect/>
+          </a:stretch>
+        </p:blipFill>
+        <p:spPr>
+          <a:xfrm>
+            <a:off x="3558642" y="1732787"/>
+            <a:ext cx="9364382" cy="5639587"/>
+          </a:xfrm>
+          <a:prstGeom prst="rect">
+            <a:avLst/>
+          </a:prstGeom>
+        </p:spPr>
+      </p:pic>
+    </p:spTree>
+    <p:extLst>
+      <p:ext uri="{BB962C8B-B14F-4D97-AF65-F5344CB8AC3E}">
+        <p14:creationId xmlns:p14="http://schemas.microsoft.com/office/powerpoint/2010/main" val="3584222520"/>
+      </p:ext>
+    </p:extLst>
+  </p:cSld>
+  <p:clrMapOvr>
+    <a:masterClrMapping/>
+  </p:clrMapOvr>
+</p:sld>
+</file>
+
 <file path=ppt/slides/slide2.xml><?xml version="1.0" encoding="utf-8"?>
 <p:sld xmlns:a="http://schemas.openxmlformats.org/drawingml/2006/main" xmlns:r="http://schemas.openxmlformats.org/officeDocument/2006/relationships" xmlns:p="http://schemas.openxmlformats.org/presentationml/2006/main">
   <p:cSld>
@@ -5037,6 +5488,1123 @@
         <p:spPr>
           <a:xfrm>
             <a:off x="2375553" y="647700"/>
+            <a:ext cx="11730560" cy="9448740"/>
+          </a:xfrm>
+          <a:prstGeom prst="rect">
+            <a:avLst/>
+          </a:prstGeom>
+        </p:spPr>
+        <p:txBody>
+          <a:bodyPr wrap="square" lIns="0" tIns="0" rIns="0" bIns="0" rtlCol="0" anchor="t">
+            <a:spAutoFit/>
+          </a:bodyPr>
+          <a:lstStyle/>
+          <a:p>
+            <a:pPr>
+              <a:spcBef>
+                <a:spcPct val="0"/>
+              </a:spcBef>
+            </a:pPr>
+            <a:r>
+              <a:rPr lang="en-US" sz="1600" b="1" spc="56" dirty="0">
+                <a:solidFill>
+                  <a:srgbClr val="FFFFFF"/>
+                </a:solidFill>
+                <a:latin typeface="Consolas" panose="020B0609020204030204" pitchFamily="49" charset="0"/>
+              </a:rPr>
+              <a:t>HEADER</a:t>
+            </a:r>
+          </a:p>
+          <a:p>
+            <a:pPr>
+              <a:spcBef>
+                <a:spcPct val="0"/>
+              </a:spcBef>
+            </a:pPr>
+            <a:endParaRPr lang="en-US" sz="1600" spc="56" dirty="0">
+              <a:solidFill>
+                <a:srgbClr val="FFFFFF"/>
+              </a:solidFill>
+              <a:latin typeface="Consolas" panose="020B0609020204030204" pitchFamily="49" charset="0"/>
+            </a:endParaRPr>
+          </a:p>
+          <a:p>
+            <a:pPr>
+              <a:spcBef>
+                <a:spcPct val="0"/>
+              </a:spcBef>
+            </a:pPr>
+            <a:r>
+              <a:rPr lang="en-US" sz="1200" spc="56" dirty="0">
+                <a:solidFill>
+                  <a:srgbClr val="FFFFFF"/>
+                </a:solidFill>
+                <a:latin typeface="Consolas" panose="020B0609020204030204" pitchFamily="49" charset="0"/>
+              </a:rPr>
+              <a:t>Connection: keep-alive</a:t>
+            </a:r>
+          </a:p>
+          <a:p>
+            <a:pPr>
+              <a:spcBef>
+                <a:spcPct val="0"/>
+              </a:spcBef>
+            </a:pPr>
+            <a:r>
+              <a:rPr lang="en-US" sz="1200" spc="56" dirty="0">
+                <a:solidFill>
+                  <a:srgbClr val="FFFFFF"/>
+                </a:solidFill>
+                <a:latin typeface="Consolas" panose="020B0609020204030204" pitchFamily="49" charset="0"/>
+              </a:rPr>
+              <a:t>Access-Control-Allow-Origin: *</a:t>
+            </a:r>
+          </a:p>
+          <a:p>
+            <a:pPr>
+              <a:spcBef>
+                <a:spcPct val="0"/>
+              </a:spcBef>
+            </a:pPr>
+            <a:r>
+              <a:rPr lang="en-US" sz="1200" spc="56" dirty="0">
+                <a:solidFill>
+                  <a:srgbClr val="FFFFFF"/>
+                </a:solidFill>
+                <a:latin typeface="Consolas" panose="020B0609020204030204" pitchFamily="49" charset="0"/>
+              </a:rPr>
+              <a:t>Cache-Control: max-age=15</a:t>
+            </a:r>
+          </a:p>
+          <a:p>
+            <a:pPr>
+              <a:spcBef>
+                <a:spcPct val="0"/>
+              </a:spcBef>
+            </a:pPr>
+            <a:r>
+              <a:rPr lang="en-US" sz="1200" spc="56" dirty="0">
+                <a:solidFill>
+                  <a:srgbClr val="FFFFFF"/>
+                </a:solidFill>
+                <a:latin typeface="Consolas" panose="020B0609020204030204" pitchFamily="49" charset="0"/>
+              </a:rPr>
+              <a:t>Date: Mon, 13 Sep 2021 15:37:51 GMT</a:t>
+            </a:r>
+          </a:p>
+          <a:p>
+            <a:pPr>
+              <a:spcBef>
+                <a:spcPct val="0"/>
+              </a:spcBef>
+            </a:pPr>
+            <a:r>
+              <a:rPr lang="en-US" sz="1200" spc="56" dirty="0">
+                <a:solidFill>
+                  <a:srgbClr val="FFFFFF"/>
+                </a:solidFill>
+                <a:latin typeface="Consolas" panose="020B0609020204030204" pitchFamily="49" charset="0"/>
+              </a:rPr>
+              <a:t>Expires: Mon, 13 Sep 2021 15:38:07 UTC</a:t>
+            </a:r>
+          </a:p>
+          <a:p>
+            <a:pPr>
+              <a:spcBef>
+                <a:spcPct val="0"/>
+              </a:spcBef>
+            </a:pPr>
+            <a:r>
+              <a:rPr lang="en-US" sz="1200" spc="56" dirty="0">
+                <a:solidFill>
+                  <a:srgbClr val="FFFFFF"/>
+                </a:solidFill>
+                <a:latin typeface="Consolas" panose="020B0609020204030204" pitchFamily="49" charset="0"/>
+              </a:rPr>
+              <a:t>Server: </a:t>
+            </a:r>
+            <a:r>
+              <a:rPr lang="en-US" sz="1200" spc="56" dirty="0" err="1">
+                <a:solidFill>
+                  <a:srgbClr val="FFFFFF"/>
+                </a:solidFill>
+                <a:latin typeface="Consolas" panose="020B0609020204030204" pitchFamily="49" charset="0"/>
+              </a:rPr>
+              <a:t>nginx</a:t>
+            </a:r>
+            <a:r>
+              <a:rPr lang="en-US" sz="1200" spc="56" dirty="0">
+                <a:solidFill>
+                  <a:srgbClr val="FFFFFF"/>
+                </a:solidFill>
+                <a:latin typeface="Consolas" panose="020B0609020204030204" pitchFamily="49" charset="0"/>
+              </a:rPr>
+              <a:t>/1.18.0</a:t>
+            </a:r>
+          </a:p>
+          <a:p>
+            <a:pPr>
+              <a:spcBef>
+                <a:spcPct val="0"/>
+              </a:spcBef>
+            </a:pPr>
+            <a:r>
+              <a:rPr lang="en-US" sz="1200" spc="56" dirty="0">
+                <a:solidFill>
+                  <a:srgbClr val="FFFFFF"/>
+                </a:solidFill>
+                <a:latin typeface="Consolas" panose="020B0609020204030204" pitchFamily="49" charset="0"/>
+              </a:rPr>
+              <a:t>X-Powered-By: Fat-Free Framework</a:t>
+            </a:r>
+          </a:p>
+          <a:p>
+            <a:pPr>
+              <a:spcBef>
+                <a:spcPct val="0"/>
+              </a:spcBef>
+            </a:pPr>
+            <a:r>
+              <a:rPr lang="en-US" sz="1200" spc="56" dirty="0">
+                <a:solidFill>
+                  <a:srgbClr val="FFFFFF"/>
+                </a:solidFill>
+                <a:latin typeface="Consolas" panose="020B0609020204030204" pitchFamily="49" charset="0"/>
+              </a:rPr>
+              <a:t>X-Cache: Hit from </a:t>
+            </a:r>
+            <a:r>
+              <a:rPr lang="en-US" sz="1200" spc="56" dirty="0" err="1">
+                <a:solidFill>
+                  <a:srgbClr val="FFFFFF"/>
+                </a:solidFill>
+                <a:latin typeface="Consolas" panose="020B0609020204030204" pitchFamily="49" charset="0"/>
+              </a:rPr>
+              <a:t>cloudfront</a:t>
+            </a:r>
+            <a:endParaRPr lang="en-US" sz="1200" spc="56" dirty="0">
+              <a:solidFill>
+                <a:srgbClr val="FFFFFF"/>
+              </a:solidFill>
+              <a:latin typeface="Consolas" panose="020B0609020204030204" pitchFamily="49" charset="0"/>
+            </a:endParaRPr>
+          </a:p>
+          <a:p>
+            <a:pPr>
+              <a:spcBef>
+                <a:spcPct val="0"/>
+              </a:spcBef>
+            </a:pPr>
+            <a:r>
+              <a:rPr lang="en-US" sz="1200" spc="56" dirty="0">
+                <a:solidFill>
+                  <a:srgbClr val="FFFFFF"/>
+                </a:solidFill>
+                <a:latin typeface="Consolas" panose="020B0609020204030204" pitchFamily="49" charset="0"/>
+              </a:rPr>
+              <a:t>Via: 1.1 2ba5677785db2f66bc73820b2a261477.cloudfront.net (CloudFront)</a:t>
+            </a:r>
+          </a:p>
+          <a:p>
+            <a:pPr>
+              <a:spcBef>
+                <a:spcPct val="0"/>
+              </a:spcBef>
+            </a:pPr>
+            <a:r>
+              <a:rPr lang="en-US" sz="1200" spc="56" dirty="0">
+                <a:solidFill>
+                  <a:srgbClr val="FFFFFF"/>
+                </a:solidFill>
+                <a:latin typeface="Consolas" panose="020B0609020204030204" pitchFamily="49" charset="0"/>
+              </a:rPr>
+              <a:t>X-</a:t>
+            </a:r>
+            <a:r>
+              <a:rPr lang="en-US" sz="1200" spc="56" dirty="0" err="1">
+                <a:solidFill>
+                  <a:srgbClr val="FFFFFF"/>
+                </a:solidFill>
+                <a:latin typeface="Consolas" panose="020B0609020204030204" pitchFamily="49" charset="0"/>
+              </a:rPr>
+              <a:t>Amz</a:t>
+            </a:r>
+            <a:r>
+              <a:rPr lang="en-US" sz="1200" spc="56" dirty="0">
+                <a:solidFill>
+                  <a:srgbClr val="FFFFFF"/>
+                </a:solidFill>
+                <a:latin typeface="Consolas" panose="020B0609020204030204" pitchFamily="49" charset="0"/>
+              </a:rPr>
+              <a:t>-</a:t>
+            </a:r>
+            <a:r>
+              <a:rPr lang="en-US" sz="1200" spc="56" dirty="0" err="1">
+                <a:solidFill>
+                  <a:srgbClr val="FFFFFF"/>
+                </a:solidFill>
+                <a:latin typeface="Consolas" panose="020B0609020204030204" pitchFamily="49" charset="0"/>
+              </a:rPr>
+              <a:t>Cf</a:t>
+            </a:r>
+            <a:r>
+              <a:rPr lang="en-US" sz="1200" spc="56" dirty="0">
+                <a:solidFill>
+                  <a:srgbClr val="FFFFFF"/>
+                </a:solidFill>
+                <a:latin typeface="Consolas" panose="020B0609020204030204" pitchFamily="49" charset="0"/>
+              </a:rPr>
+              <a:t>-Pop: CDG50-P2</a:t>
+            </a:r>
+          </a:p>
+          <a:p>
+            <a:pPr>
+              <a:spcBef>
+                <a:spcPct val="0"/>
+              </a:spcBef>
+            </a:pPr>
+            <a:r>
+              <a:rPr lang="en-US" sz="1200" spc="56" dirty="0">
+                <a:solidFill>
+                  <a:srgbClr val="FFFFFF"/>
+                </a:solidFill>
+                <a:latin typeface="Consolas" panose="020B0609020204030204" pitchFamily="49" charset="0"/>
+              </a:rPr>
+              <a:t>X-</a:t>
+            </a:r>
+            <a:r>
+              <a:rPr lang="en-US" sz="1200" spc="56" dirty="0" err="1">
+                <a:solidFill>
+                  <a:srgbClr val="FFFFFF"/>
+                </a:solidFill>
+                <a:latin typeface="Consolas" panose="020B0609020204030204" pitchFamily="49" charset="0"/>
+              </a:rPr>
+              <a:t>Amz</a:t>
+            </a:r>
+            <a:r>
+              <a:rPr lang="en-US" sz="1200" spc="56" dirty="0">
+                <a:solidFill>
+                  <a:srgbClr val="FFFFFF"/>
+                </a:solidFill>
+                <a:latin typeface="Consolas" panose="020B0609020204030204" pitchFamily="49" charset="0"/>
+              </a:rPr>
+              <a:t>-</a:t>
+            </a:r>
+            <a:r>
+              <a:rPr lang="en-US" sz="1200" spc="56" dirty="0" err="1">
+                <a:solidFill>
+                  <a:srgbClr val="FFFFFF"/>
+                </a:solidFill>
+                <a:latin typeface="Consolas" panose="020B0609020204030204" pitchFamily="49" charset="0"/>
+              </a:rPr>
+              <a:t>Cf</a:t>
+            </a:r>
+            <a:r>
+              <a:rPr lang="en-US" sz="1200" spc="56" dirty="0">
+                <a:solidFill>
+                  <a:srgbClr val="FFFFFF"/>
+                </a:solidFill>
+                <a:latin typeface="Consolas" panose="020B0609020204030204" pitchFamily="49" charset="0"/>
+              </a:rPr>
+              <a:t>-Id: 5MjY2mrONNOqy9Xzl5XZrkDroMtik64FOecNHHl8xwQo7Nl-rUrmZA==</a:t>
+            </a:r>
+          </a:p>
+          <a:p>
+            <a:pPr>
+              <a:spcBef>
+                <a:spcPct val="0"/>
+              </a:spcBef>
+            </a:pPr>
+            <a:r>
+              <a:rPr lang="en-US" sz="1200" spc="56" dirty="0">
+                <a:solidFill>
+                  <a:srgbClr val="FFFFFF"/>
+                </a:solidFill>
+                <a:latin typeface="Consolas" panose="020B0609020204030204" pitchFamily="49" charset="0"/>
+              </a:rPr>
+              <a:t>Age: 3</a:t>
+            </a:r>
+          </a:p>
+          <a:p>
+            <a:pPr>
+              <a:spcBef>
+                <a:spcPct val="0"/>
+              </a:spcBef>
+            </a:pPr>
+            <a:endParaRPr lang="en-US" spc="56" dirty="0">
+              <a:solidFill>
+                <a:srgbClr val="FFFFFF"/>
+              </a:solidFill>
+              <a:latin typeface="Consolas" panose="020B0609020204030204" pitchFamily="49" charset="0"/>
+            </a:endParaRPr>
+          </a:p>
+          <a:p>
+            <a:pPr>
+              <a:spcBef>
+                <a:spcPct val="0"/>
+              </a:spcBef>
+            </a:pPr>
+            <a:r>
+              <a:rPr lang="en-US" b="1" spc="56">
+                <a:solidFill>
+                  <a:srgbClr val="FFFFFF"/>
+                </a:solidFill>
+                <a:latin typeface="Consolas" panose="020B0609020204030204" pitchFamily="49" charset="0"/>
+              </a:rPr>
+              <a:t>BODY</a:t>
+            </a:r>
+          </a:p>
+          <a:p>
+            <a:pPr>
+              <a:spcBef>
+                <a:spcPct val="0"/>
+              </a:spcBef>
+            </a:pPr>
+            <a:endParaRPr lang="en-US" b="1" spc="56" dirty="0">
+              <a:solidFill>
+                <a:srgbClr val="FFFFFF"/>
+              </a:solidFill>
+              <a:latin typeface="Consolas" panose="020B0609020204030204" pitchFamily="49" charset="0"/>
+            </a:endParaRPr>
+          </a:p>
+          <a:p>
+            <a:pPr>
+              <a:spcBef>
+                <a:spcPct val="0"/>
+              </a:spcBef>
+            </a:pPr>
+            <a:r>
+              <a:rPr lang="en-US" sz="1200" spc="56" dirty="0">
+                <a:solidFill>
+                  <a:srgbClr val="FFFFFF"/>
+                </a:solidFill>
+                <a:latin typeface="Consolas" panose="020B0609020204030204" pitchFamily="49" charset="0"/>
+              </a:rPr>
+              <a:t>{</a:t>
+            </a:r>
+          </a:p>
+          <a:p>
+            <a:pPr>
+              <a:spcBef>
+                <a:spcPct val="0"/>
+              </a:spcBef>
+            </a:pPr>
+            <a:r>
+              <a:rPr lang="en-US" sz="1200" spc="56" dirty="0">
+                <a:solidFill>
+                  <a:srgbClr val="FFFFFF"/>
+                </a:solidFill>
+                <a:latin typeface="Consolas" panose="020B0609020204030204" pitchFamily="49" charset="0"/>
+              </a:rPr>
+              <a:t>    "time": {</a:t>
+            </a:r>
+          </a:p>
+          <a:p>
+            <a:pPr>
+              <a:spcBef>
+                <a:spcPct val="0"/>
+              </a:spcBef>
+            </a:pPr>
+            <a:r>
+              <a:rPr lang="en-US" sz="1200" spc="56" dirty="0">
+                <a:solidFill>
+                  <a:srgbClr val="FFFFFF"/>
+                </a:solidFill>
+                <a:latin typeface="Consolas" panose="020B0609020204030204" pitchFamily="49" charset="0"/>
+              </a:rPr>
+              <a:t>        "updated": "Sep 13, 2021 15:37:00 UTC",</a:t>
+            </a:r>
+          </a:p>
+          <a:p>
+            <a:pPr>
+              <a:spcBef>
+                <a:spcPct val="0"/>
+              </a:spcBef>
+            </a:pPr>
+            <a:r>
+              <a:rPr lang="en-US" sz="1200" spc="56" dirty="0">
+                <a:solidFill>
+                  <a:srgbClr val="FFFFFF"/>
+                </a:solidFill>
+                <a:latin typeface="Consolas" panose="020B0609020204030204" pitchFamily="49" charset="0"/>
+              </a:rPr>
+              <a:t>        "</a:t>
+            </a:r>
+            <a:r>
+              <a:rPr lang="en-US" sz="1200" spc="56" dirty="0" err="1">
+                <a:solidFill>
+                  <a:srgbClr val="FFFFFF"/>
+                </a:solidFill>
+                <a:latin typeface="Consolas" panose="020B0609020204030204" pitchFamily="49" charset="0"/>
+              </a:rPr>
+              <a:t>updatedISO</a:t>
+            </a:r>
+            <a:r>
+              <a:rPr lang="en-US" sz="1200" spc="56" dirty="0">
+                <a:solidFill>
+                  <a:srgbClr val="FFFFFF"/>
+                </a:solidFill>
+                <a:latin typeface="Consolas" panose="020B0609020204030204" pitchFamily="49" charset="0"/>
+              </a:rPr>
+              <a:t>": "2021-09-13T15:37:00+00:00",</a:t>
+            </a:r>
+          </a:p>
+          <a:p>
+            <a:pPr>
+              <a:spcBef>
+                <a:spcPct val="0"/>
+              </a:spcBef>
+            </a:pPr>
+            <a:r>
+              <a:rPr lang="en-US" sz="1200" spc="56" dirty="0">
+                <a:solidFill>
+                  <a:srgbClr val="FFFFFF"/>
+                </a:solidFill>
+                <a:latin typeface="Consolas" panose="020B0609020204030204" pitchFamily="49" charset="0"/>
+              </a:rPr>
+              <a:t>        "</a:t>
+            </a:r>
+            <a:r>
+              <a:rPr lang="en-US" sz="1200" spc="56" dirty="0" err="1">
+                <a:solidFill>
+                  <a:srgbClr val="FFFFFF"/>
+                </a:solidFill>
+                <a:latin typeface="Consolas" panose="020B0609020204030204" pitchFamily="49" charset="0"/>
+              </a:rPr>
+              <a:t>updateduk</a:t>
+            </a:r>
+            <a:r>
+              <a:rPr lang="en-US" sz="1200" spc="56" dirty="0">
+                <a:solidFill>
+                  <a:srgbClr val="FFFFFF"/>
+                </a:solidFill>
+                <a:latin typeface="Consolas" panose="020B0609020204030204" pitchFamily="49" charset="0"/>
+              </a:rPr>
+              <a:t>": "Sep 13, 2021 at 16:37 BST"</a:t>
+            </a:r>
+          </a:p>
+          <a:p>
+            <a:pPr>
+              <a:spcBef>
+                <a:spcPct val="0"/>
+              </a:spcBef>
+            </a:pPr>
+            <a:r>
+              <a:rPr lang="en-US" sz="1200" spc="56" dirty="0">
+                <a:solidFill>
+                  <a:srgbClr val="FFFFFF"/>
+                </a:solidFill>
+                <a:latin typeface="Consolas" panose="020B0609020204030204" pitchFamily="49" charset="0"/>
+              </a:rPr>
+              <a:t>    },</a:t>
+            </a:r>
+          </a:p>
+          <a:p>
+            <a:pPr>
+              <a:spcBef>
+                <a:spcPct val="0"/>
+              </a:spcBef>
+            </a:pPr>
+            <a:r>
+              <a:rPr lang="en-US" sz="1200" spc="56" dirty="0">
+                <a:solidFill>
+                  <a:srgbClr val="FFFFFF"/>
+                </a:solidFill>
+                <a:latin typeface="Consolas" panose="020B0609020204030204" pitchFamily="49" charset="0"/>
+              </a:rPr>
+              <a:t>    "disclaimer": "This data was produced from the CoinDesk Bitcoin Price Index (USD). Non-USD currency data converted using hourly conversion rate from openexchangerates.org",</a:t>
+            </a:r>
+          </a:p>
+          <a:p>
+            <a:pPr>
+              <a:spcBef>
+                <a:spcPct val="0"/>
+              </a:spcBef>
+            </a:pPr>
+            <a:r>
+              <a:rPr lang="en-US" sz="1200" spc="56" dirty="0">
+                <a:solidFill>
+                  <a:srgbClr val="FFFFFF"/>
+                </a:solidFill>
+                <a:latin typeface="Consolas" panose="020B0609020204030204" pitchFamily="49" charset="0"/>
+              </a:rPr>
+              <a:t>    "</a:t>
+            </a:r>
+            <a:r>
+              <a:rPr lang="en-US" sz="1200" spc="56" dirty="0" err="1">
+                <a:solidFill>
+                  <a:srgbClr val="FFFFFF"/>
+                </a:solidFill>
+                <a:latin typeface="Consolas" panose="020B0609020204030204" pitchFamily="49" charset="0"/>
+              </a:rPr>
+              <a:t>chartName</a:t>
+            </a:r>
+            <a:r>
+              <a:rPr lang="en-US" sz="1200" spc="56" dirty="0">
+                <a:solidFill>
+                  <a:srgbClr val="FFFFFF"/>
+                </a:solidFill>
+                <a:latin typeface="Consolas" panose="020B0609020204030204" pitchFamily="49" charset="0"/>
+              </a:rPr>
+              <a:t>": "Bitcoin",</a:t>
+            </a:r>
+          </a:p>
+          <a:p>
+            <a:pPr>
+              <a:spcBef>
+                <a:spcPct val="0"/>
+              </a:spcBef>
+            </a:pPr>
+            <a:r>
+              <a:rPr lang="en-US" sz="1200" spc="56" dirty="0">
+                <a:solidFill>
+                  <a:srgbClr val="FFFFFF"/>
+                </a:solidFill>
+                <a:latin typeface="Consolas" panose="020B0609020204030204" pitchFamily="49" charset="0"/>
+              </a:rPr>
+              <a:t>    "bpi": {</a:t>
+            </a:r>
+          </a:p>
+          <a:p>
+            <a:pPr>
+              <a:spcBef>
+                <a:spcPct val="0"/>
+              </a:spcBef>
+            </a:pPr>
+            <a:r>
+              <a:rPr lang="en-US" sz="1200" spc="56" dirty="0">
+                <a:solidFill>
+                  <a:srgbClr val="FFFFFF"/>
+                </a:solidFill>
+                <a:latin typeface="Consolas" panose="020B0609020204030204" pitchFamily="49" charset="0"/>
+              </a:rPr>
+              <a:t>        "USD": {</a:t>
+            </a:r>
+          </a:p>
+          <a:p>
+            <a:pPr>
+              <a:spcBef>
+                <a:spcPct val="0"/>
+              </a:spcBef>
+            </a:pPr>
+            <a:r>
+              <a:rPr lang="en-US" sz="1200" spc="56" dirty="0">
+                <a:solidFill>
+                  <a:srgbClr val="FFFFFF"/>
+                </a:solidFill>
+                <a:latin typeface="Consolas" panose="020B0609020204030204" pitchFamily="49" charset="0"/>
+              </a:rPr>
+              <a:t>            "code": "USD",</a:t>
+            </a:r>
+          </a:p>
+          <a:p>
+            <a:pPr>
+              <a:spcBef>
+                <a:spcPct val="0"/>
+              </a:spcBef>
+            </a:pPr>
+            <a:r>
+              <a:rPr lang="en-US" sz="1200" spc="56" dirty="0">
+                <a:solidFill>
+                  <a:srgbClr val="FFFFFF"/>
+                </a:solidFill>
+                <a:latin typeface="Consolas" panose="020B0609020204030204" pitchFamily="49" charset="0"/>
+              </a:rPr>
+              <a:t>            "symbol": "&amp;#36;",</a:t>
+            </a:r>
+          </a:p>
+          <a:p>
+            <a:pPr>
+              <a:spcBef>
+                <a:spcPct val="0"/>
+              </a:spcBef>
+            </a:pPr>
+            <a:r>
+              <a:rPr lang="en-US" sz="1200" spc="56" dirty="0">
+                <a:solidFill>
+                  <a:srgbClr val="FFFFFF"/>
+                </a:solidFill>
+                <a:latin typeface="Consolas" panose="020B0609020204030204" pitchFamily="49" charset="0"/>
+              </a:rPr>
+              <a:t>            "rate": "44,446.6668",</a:t>
+            </a:r>
+          </a:p>
+          <a:p>
+            <a:pPr>
+              <a:spcBef>
+                <a:spcPct val="0"/>
+              </a:spcBef>
+            </a:pPr>
+            <a:r>
+              <a:rPr lang="en-US" sz="1200" spc="56" dirty="0">
+                <a:solidFill>
+                  <a:srgbClr val="FFFFFF"/>
+                </a:solidFill>
+                <a:latin typeface="Consolas" panose="020B0609020204030204" pitchFamily="49" charset="0"/>
+              </a:rPr>
+              <a:t>            "description": "United States Dollar",</a:t>
+            </a:r>
+          </a:p>
+          <a:p>
+            <a:pPr>
+              <a:spcBef>
+                <a:spcPct val="0"/>
+              </a:spcBef>
+            </a:pPr>
+            <a:r>
+              <a:rPr lang="en-US" sz="1200" spc="56" dirty="0">
+                <a:solidFill>
+                  <a:srgbClr val="FFFFFF"/>
+                </a:solidFill>
+                <a:latin typeface="Consolas" panose="020B0609020204030204" pitchFamily="49" charset="0"/>
+              </a:rPr>
+              <a:t>            "</a:t>
+            </a:r>
+            <a:r>
+              <a:rPr lang="en-US" sz="1200" spc="56" dirty="0" err="1">
+                <a:solidFill>
+                  <a:srgbClr val="FFFFFF"/>
+                </a:solidFill>
+                <a:latin typeface="Consolas" panose="020B0609020204030204" pitchFamily="49" charset="0"/>
+              </a:rPr>
+              <a:t>rate_float</a:t>
+            </a:r>
+            <a:r>
+              <a:rPr lang="en-US" sz="1200" spc="56" dirty="0">
+                <a:solidFill>
+                  <a:srgbClr val="FFFFFF"/>
+                </a:solidFill>
+                <a:latin typeface="Consolas" panose="020B0609020204030204" pitchFamily="49" charset="0"/>
+              </a:rPr>
+              <a:t>": 44446.6668</a:t>
+            </a:r>
+          </a:p>
+          <a:p>
+            <a:pPr>
+              <a:spcBef>
+                <a:spcPct val="0"/>
+              </a:spcBef>
+            </a:pPr>
+            <a:r>
+              <a:rPr lang="en-US" sz="1200" spc="56" dirty="0">
+                <a:solidFill>
+                  <a:srgbClr val="FFFFFF"/>
+                </a:solidFill>
+                <a:latin typeface="Consolas" panose="020B0609020204030204" pitchFamily="49" charset="0"/>
+              </a:rPr>
+              <a:t>        },</a:t>
+            </a:r>
+          </a:p>
+          <a:p>
+            <a:pPr>
+              <a:spcBef>
+                <a:spcPct val="0"/>
+              </a:spcBef>
+            </a:pPr>
+            <a:r>
+              <a:rPr lang="en-US" sz="1200" spc="56" dirty="0">
+                <a:solidFill>
+                  <a:srgbClr val="FFFFFF"/>
+                </a:solidFill>
+                <a:latin typeface="Consolas" panose="020B0609020204030204" pitchFamily="49" charset="0"/>
+              </a:rPr>
+              <a:t>        "GBP": {</a:t>
+            </a:r>
+          </a:p>
+          <a:p>
+            <a:pPr>
+              <a:spcBef>
+                <a:spcPct val="0"/>
+              </a:spcBef>
+            </a:pPr>
+            <a:r>
+              <a:rPr lang="en-US" sz="1200" spc="56" dirty="0">
+                <a:solidFill>
+                  <a:srgbClr val="FFFFFF"/>
+                </a:solidFill>
+                <a:latin typeface="Consolas" panose="020B0609020204030204" pitchFamily="49" charset="0"/>
+              </a:rPr>
+              <a:t>            "code": "GBP",</a:t>
+            </a:r>
+          </a:p>
+          <a:p>
+            <a:pPr>
+              <a:spcBef>
+                <a:spcPct val="0"/>
+              </a:spcBef>
+            </a:pPr>
+            <a:r>
+              <a:rPr lang="en-US" sz="1200" spc="56" dirty="0">
+                <a:solidFill>
+                  <a:srgbClr val="FFFFFF"/>
+                </a:solidFill>
+                <a:latin typeface="Consolas" panose="020B0609020204030204" pitchFamily="49" charset="0"/>
+              </a:rPr>
+              <a:t>            "symbol": "&amp;pound;",</a:t>
+            </a:r>
+          </a:p>
+          <a:p>
+            <a:pPr>
+              <a:spcBef>
+                <a:spcPct val="0"/>
+              </a:spcBef>
+            </a:pPr>
+            <a:r>
+              <a:rPr lang="en-US" sz="1200" spc="56" dirty="0">
+                <a:solidFill>
+                  <a:srgbClr val="FFFFFF"/>
+                </a:solidFill>
+                <a:latin typeface="Consolas" panose="020B0609020204030204" pitchFamily="49" charset="0"/>
+              </a:rPr>
+              <a:t>            "rate": "32,094.5825",</a:t>
+            </a:r>
+          </a:p>
+          <a:p>
+            <a:pPr>
+              <a:spcBef>
+                <a:spcPct val="0"/>
+              </a:spcBef>
+            </a:pPr>
+            <a:r>
+              <a:rPr lang="en-US" sz="1200" spc="56" dirty="0">
+                <a:solidFill>
+                  <a:srgbClr val="FFFFFF"/>
+                </a:solidFill>
+                <a:latin typeface="Consolas" panose="020B0609020204030204" pitchFamily="49" charset="0"/>
+              </a:rPr>
+              <a:t>            "description": "British Pound Sterling",</a:t>
+            </a:r>
+          </a:p>
+          <a:p>
+            <a:pPr>
+              <a:spcBef>
+                <a:spcPct val="0"/>
+              </a:spcBef>
+            </a:pPr>
+            <a:r>
+              <a:rPr lang="en-US" sz="1200" spc="56" dirty="0">
+                <a:solidFill>
+                  <a:srgbClr val="FFFFFF"/>
+                </a:solidFill>
+                <a:latin typeface="Consolas" panose="020B0609020204030204" pitchFamily="49" charset="0"/>
+              </a:rPr>
+              <a:t>            "</a:t>
+            </a:r>
+            <a:r>
+              <a:rPr lang="en-US" sz="1200" spc="56" dirty="0" err="1">
+                <a:solidFill>
+                  <a:srgbClr val="FFFFFF"/>
+                </a:solidFill>
+                <a:latin typeface="Consolas" panose="020B0609020204030204" pitchFamily="49" charset="0"/>
+              </a:rPr>
+              <a:t>rate_float</a:t>
+            </a:r>
+            <a:r>
+              <a:rPr lang="en-US" sz="1200" spc="56" dirty="0">
+                <a:solidFill>
+                  <a:srgbClr val="FFFFFF"/>
+                </a:solidFill>
+                <a:latin typeface="Consolas" panose="020B0609020204030204" pitchFamily="49" charset="0"/>
+              </a:rPr>
+              <a:t>": 32094.5825</a:t>
+            </a:r>
+          </a:p>
+          <a:p>
+            <a:pPr>
+              <a:spcBef>
+                <a:spcPct val="0"/>
+              </a:spcBef>
+            </a:pPr>
+            <a:r>
+              <a:rPr lang="en-US" sz="1200" spc="56" dirty="0">
+                <a:solidFill>
+                  <a:srgbClr val="FFFFFF"/>
+                </a:solidFill>
+                <a:latin typeface="Consolas" panose="020B0609020204030204" pitchFamily="49" charset="0"/>
+              </a:rPr>
+              <a:t>        },</a:t>
+            </a:r>
+          </a:p>
+          <a:p>
+            <a:pPr>
+              <a:spcBef>
+                <a:spcPct val="0"/>
+              </a:spcBef>
+            </a:pPr>
+            <a:r>
+              <a:rPr lang="en-US" sz="1200" spc="56" dirty="0">
+                <a:solidFill>
+                  <a:srgbClr val="FFFFFF"/>
+                </a:solidFill>
+                <a:latin typeface="Consolas" panose="020B0609020204030204" pitchFamily="49" charset="0"/>
+              </a:rPr>
+              <a:t>        "EUR": {</a:t>
+            </a:r>
+          </a:p>
+          <a:p>
+            <a:pPr>
+              <a:spcBef>
+                <a:spcPct val="0"/>
+              </a:spcBef>
+            </a:pPr>
+            <a:r>
+              <a:rPr lang="en-US" sz="1200" spc="56" dirty="0">
+                <a:solidFill>
+                  <a:srgbClr val="FFFFFF"/>
+                </a:solidFill>
+                <a:latin typeface="Consolas" panose="020B0609020204030204" pitchFamily="49" charset="0"/>
+              </a:rPr>
+              <a:t>            "code": "EUR",</a:t>
+            </a:r>
+          </a:p>
+          <a:p>
+            <a:pPr>
+              <a:spcBef>
+                <a:spcPct val="0"/>
+              </a:spcBef>
+            </a:pPr>
+            <a:r>
+              <a:rPr lang="en-US" sz="1200" spc="56" dirty="0">
+                <a:solidFill>
+                  <a:srgbClr val="FFFFFF"/>
+                </a:solidFill>
+                <a:latin typeface="Consolas" panose="020B0609020204030204" pitchFamily="49" charset="0"/>
+              </a:rPr>
+              <a:t>            "symbol": "&amp;euro;",</a:t>
+            </a:r>
+          </a:p>
+          <a:p>
+            <a:pPr>
+              <a:spcBef>
+                <a:spcPct val="0"/>
+              </a:spcBef>
+            </a:pPr>
+            <a:r>
+              <a:rPr lang="en-US" sz="1200" spc="56" dirty="0">
+                <a:solidFill>
+                  <a:srgbClr val="FFFFFF"/>
+                </a:solidFill>
+                <a:latin typeface="Consolas" panose="020B0609020204030204" pitchFamily="49" charset="0"/>
+              </a:rPr>
+              <a:t>            "rate": "37,636.0151",</a:t>
+            </a:r>
+          </a:p>
+          <a:p>
+            <a:pPr>
+              <a:spcBef>
+                <a:spcPct val="0"/>
+              </a:spcBef>
+            </a:pPr>
+            <a:r>
+              <a:rPr lang="en-US" sz="1200" spc="56" dirty="0">
+                <a:solidFill>
+                  <a:srgbClr val="FFFFFF"/>
+                </a:solidFill>
+                <a:latin typeface="Consolas" panose="020B0609020204030204" pitchFamily="49" charset="0"/>
+              </a:rPr>
+              <a:t>            "description": "Euro",</a:t>
+            </a:r>
+          </a:p>
+          <a:p>
+            <a:pPr>
+              <a:spcBef>
+                <a:spcPct val="0"/>
+              </a:spcBef>
+            </a:pPr>
+            <a:r>
+              <a:rPr lang="en-US" sz="1200" spc="56" dirty="0">
+                <a:solidFill>
+                  <a:srgbClr val="FFFFFF"/>
+                </a:solidFill>
+                <a:latin typeface="Consolas" panose="020B0609020204030204" pitchFamily="49" charset="0"/>
+              </a:rPr>
+              <a:t>            "</a:t>
+            </a:r>
+            <a:r>
+              <a:rPr lang="en-US" sz="1200" spc="56" dirty="0" err="1">
+                <a:solidFill>
+                  <a:srgbClr val="FFFFFF"/>
+                </a:solidFill>
+                <a:latin typeface="Consolas" panose="020B0609020204030204" pitchFamily="49" charset="0"/>
+              </a:rPr>
+              <a:t>rate_float</a:t>
+            </a:r>
+            <a:r>
+              <a:rPr lang="en-US" sz="1200" spc="56" dirty="0">
+                <a:solidFill>
+                  <a:srgbClr val="FFFFFF"/>
+                </a:solidFill>
+                <a:latin typeface="Consolas" panose="020B0609020204030204" pitchFamily="49" charset="0"/>
+              </a:rPr>
+              <a:t>": 37636.0151</a:t>
+            </a:r>
+          </a:p>
+          <a:p>
+            <a:pPr>
+              <a:spcBef>
+                <a:spcPct val="0"/>
+              </a:spcBef>
+            </a:pPr>
+            <a:r>
+              <a:rPr lang="en-US" sz="1200" spc="56" dirty="0">
+                <a:solidFill>
+                  <a:srgbClr val="FFFFFF"/>
+                </a:solidFill>
+                <a:latin typeface="Consolas" panose="020B0609020204030204" pitchFamily="49" charset="0"/>
+              </a:rPr>
+              <a:t>        }</a:t>
+            </a:r>
+          </a:p>
+          <a:p>
+            <a:pPr>
+              <a:spcBef>
+                <a:spcPct val="0"/>
+              </a:spcBef>
+            </a:pPr>
+            <a:r>
+              <a:rPr lang="en-US" sz="1200" spc="56" dirty="0">
+                <a:solidFill>
+                  <a:srgbClr val="FFFFFF"/>
+                </a:solidFill>
+                <a:latin typeface="Consolas" panose="020B0609020204030204" pitchFamily="49" charset="0"/>
+              </a:rPr>
+              <a:t>    }</a:t>
+            </a:r>
+          </a:p>
+        </p:txBody>
+      </p:sp>
+    </p:spTree>
+    <p:extLst>
+      <p:ext uri="{BB962C8B-B14F-4D97-AF65-F5344CB8AC3E}">
+        <p14:creationId xmlns:p14="http://schemas.microsoft.com/office/powerpoint/2010/main" val="1720582518"/>
+      </p:ext>
+    </p:extLst>
+  </p:cSld>
+  <p:clrMapOvr>
+    <a:masterClrMapping/>
+  </p:clrMapOvr>
+</p:sld>
+</file>
+
+<file path=ppt/slides/slide6.xml><?xml version="1.0" encoding="utf-8"?>
+<p:sld xmlns:a="http://schemas.openxmlformats.org/drawingml/2006/main" xmlns:r="http://schemas.openxmlformats.org/officeDocument/2006/relationships" xmlns:p="http://schemas.openxmlformats.org/presentationml/2006/main">
+  <p:cSld>
+    <p:bg>
+      <p:bgPr>
+        <a:solidFill>
+          <a:srgbClr val="011C5D"/>
+        </a:solidFill>
+        <a:effectLst/>
+      </p:bgPr>
+    </p:bg>
+    <p:spTree>
+      <p:nvGrpSpPr>
+        <p:cNvPr id="1" name=""/>
+        <p:cNvGrpSpPr/>
+        <p:nvPr/>
+      </p:nvGrpSpPr>
+      <p:grpSpPr>
+        <a:xfrm>
+          <a:off x="0" y="0"/>
+          <a:ext cx="0" cy="0"/>
+          <a:chOff x="0" y="0"/>
+          <a:chExt cx="0" cy="0"/>
+        </a:xfrm>
+      </p:grpSpPr>
+      <p:pic>
+        <p:nvPicPr>
+          <p:cNvPr id="2" name="Picture 2"/>
+          <p:cNvPicPr>
+            <a:picLocks noChangeAspect="1"/>
+          </p:cNvPicPr>
+          <p:nvPr/>
+        </p:nvPicPr>
+        <p:blipFill>
+          <a:blip r:embed="rId2">
+            <a:extLst>
+              <a:ext uri="{28A0092B-C50C-407E-A947-70E740481C1C}">
+                <a14:useLocalDpi xmlns:a14="http://schemas.microsoft.com/office/drawing/2010/main" val="0"/>
+              </a:ext>
+            </a:extLst>
+          </a:blip>
+          <a:stretch>
+            <a:fillRect/>
+          </a:stretch>
+        </p:blipFill>
+        <p:spPr>
+          <a:xfrm rot="-2700000">
+            <a:off x="-3975646" y="-3713131"/>
+            <a:ext cx="7621416" cy="6783373"/>
+          </a:xfrm>
+          <a:prstGeom prst="rect">
+            <a:avLst/>
+          </a:prstGeom>
+        </p:spPr>
+      </p:pic>
+      <p:pic>
+        <p:nvPicPr>
+          <p:cNvPr id="3" name="Picture 3"/>
+          <p:cNvPicPr>
+            <a:picLocks noChangeAspect="1"/>
+          </p:cNvPicPr>
+          <p:nvPr/>
+        </p:nvPicPr>
+        <p:blipFill>
+          <a:blip r:embed="rId2">
+            <a:extLst>
+              <a:ext uri="{28A0092B-C50C-407E-A947-70E740481C1C}">
+                <a14:useLocalDpi xmlns:a14="http://schemas.microsoft.com/office/drawing/2010/main" val="0"/>
+              </a:ext>
+            </a:extLst>
+          </a:blip>
+          <a:stretch>
+            <a:fillRect/>
+          </a:stretch>
+        </p:blipFill>
+        <p:spPr>
+          <a:xfrm rot="8256147">
+            <a:off x="15788528" y="7172542"/>
+            <a:ext cx="6620334" cy="6228917"/>
+          </a:xfrm>
+          <a:prstGeom prst="rect">
+            <a:avLst/>
+          </a:prstGeom>
+        </p:spPr>
+      </p:pic>
+      <p:pic>
+        <p:nvPicPr>
+          <p:cNvPr id="4" name="Picture 4"/>
+          <p:cNvPicPr>
+            <a:picLocks noChangeAspect="1"/>
+          </p:cNvPicPr>
+          <p:nvPr/>
+        </p:nvPicPr>
+        <p:blipFill>
+          <a:blip r:embed="rId3"/>
+          <a:srcRect/>
+          <a:stretch>
+            <a:fillRect/>
+          </a:stretch>
+        </p:blipFill>
+        <p:spPr>
+          <a:xfrm>
+            <a:off x="17068800" y="495300"/>
+            <a:ext cx="884674" cy="670694"/>
+          </a:xfrm>
+          <a:prstGeom prst="rect">
+            <a:avLst/>
+          </a:prstGeom>
+        </p:spPr>
+      </p:pic>
+      <p:sp>
+        <p:nvSpPr>
+          <p:cNvPr id="7" name="TextBox 7"/>
+          <p:cNvSpPr txBox="1"/>
+          <p:nvPr/>
+        </p:nvSpPr>
+        <p:spPr>
+          <a:xfrm>
+            <a:off x="2375553" y="647700"/>
             <a:ext cx="11730560" cy="4247317"/>
           </a:xfrm>
           <a:prstGeom prst="rect">
@@ -5345,7 +6913,7 @@
 </p:sld>
 </file>
 
-<file path=ppt/slides/slide6.xml><?xml version="1.0" encoding="utf-8"?>
+<file path=ppt/slides/slide7.xml><?xml version="1.0" encoding="utf-8"?>
 <p:sld xmlns:a="http://schemas.openxmlformats.org/drawingml/2006/main" xmlns:r="http://schemas.openxmlformats.org/officeDocument/2006/relationships" xmlns:p="http://schemas.openxmlformats.org/presentationml/2006/main">
   <p:cSld>
     <p:bg>
@@ -6151,7 +7719,7 @@
 </p:sld>
 </file>
 
-<file path=ppt/slides/slide7.xml><?xml version="1.0" encoding="utf-8"?>
+<file path=ppt/slides/slide8.xml><?xml version="1.0" encoding="utf-8"?>
 <p:sld xmlns:a="http://schemas.openxmlformats.org/drawingml/2006/main" xmlns:r="http://schemas.openxmlformats.org/officeDocument/2006/relationships" xmlns:p="http://schemas.openxmlformats.org/presentationml/2006/main">
   <p:cSld>
     <p:bg>
@@ -6611,503 +8179,6 @@
     <p:extLst>
       <p:ext uri="{BB962C8B-B14F-4D97-AF65-F5344CB8AC3E}">
         <p14:creationId xmlns:p14="http://schemas.microsoft.com/office/powerpoint/2010/main" val="1444233656"/>
-      </p:ext>
-    </p:extLst>
-  </p:cSld>
-  <p:clrMapOvr>
-    <a:masterClrMapping/>
-  </p:clrMapOvr>
-</p:sld>
-</file>
-
-<file path=ppt/slides/slide8.xml><?xml version="1.0" encoding="utf-8"?>
-<p:sld xmlns:a="http://schemas.openxmlformats.org/drawingml/2006/main" xmlns:r="http://schemas.openxmlformats.org/officeDocument/2006/relationships" xmlns:p="http://schemas.openxmlformats.org/presentationml/2006/main">
-  <p:cSld>
-    <p:bg>
-      <p:bgPr>
-        <a:solidFill>
-          <a:srgbClr val="011C5D"/>
-        </a:solidFill>
-        <a:effectLst/>
-      </p:bgPr>
-    </p:bg>
-    <p:spTree>
-      <p:nvGrpSpPr>
-        <p:cNvPr id="1" name=""/>
-        <p:cNvGrpSpPr/>
-        <p:nvPr/>
-      </p:nvGrpSpPr>
-      <p:grpSpPr>
-        <a:xfrm>
-          <a:off x="0" y="0"/>
-          <a:ext cx="0" cy="0"/>
-          <a:chOff x="0" y="0"/>
-          <a:chExt cx="0" cy="0"/>
-        </a:xfrm>
-      </p:grpSpPr>
-      <p:pic>
-        <p:nvPicPr>
-          <p:cNvPr id="2" name="Picture 2"/>
-          <p:cNvPicPr>
-            <a:picLocks noChangeAspect="1"/>
-          </p:cNvPicPr>
-          <p:nvPr/>
-        </p:nvPicPr>
-        <p:blipFill>
-          <a:blip r:embed="rId2">
-            <a:extLst>
-              <a:ext uri="{28A0092B-C50C-407E-A947-70E740481C1C}">
-                <a14:useLocalDpi xmlns:a14="http://schemas.microsoft.com/office/drawing/2010/main" val="0"/>
-              </a:ext>
-            </a:extLst>
-          </a:blip>
-          <a:stretch>
-            <a:fillRect/>
-          </a:stretch>
-        </p:blipFill>
-        <p:spPr>
-          <a:xfrm rot="-2700000">
-            <a:off x="-3975646" y="-3713131"/>
-            <a:ext cx="7621416" cy="6783373"/>
-          </a:xfrm>
-          <a:prstGeom prst="rect">
-            <a:avLst/>
-          </a:prstGeom>
-        </p:spPr>
-      </p:pic>
-      <p:pic>
-        <p:nvPicPr>
-          <p:cNvPr id="3" name="Picture 3"/>
-          <p:cNvPicPr>
-            <a:picLocks noChangeAspect="1"/>
-          </p:cNvPicPr>
-          <p:nvPr/>
-        </p:nvPicPr>
-        <p:blipFill>
-          <a:blip r:embed="rId2">
-            <a:extLst>
-              <a:ext uri="{28A0092B-C50C-407E-A947-70E740481C1C}">
-                <a14:useLocalDpi xmlns:a14="http://schemas.microsoft.com/office/drawing/2010/main" val="0"/>
-              </a:ext>
-            </a:extLst>
-          </a:blip>
-          <a:stretch>
-            <a:fillRect/>
-          </a:stretch>
-        </p:blipFill>
-        <p:spPr>
-          <a:xfrm rot="8256147">
-            <a:off x="15788528" y="7172542"/>
-            <a:ext cx="6620334" cy="6228917"/>
-          </a:xfrm>
-          <a:prstGeom prst="rect">
-            <a:avLst/>
-          </a:prstGeom>
-        </p:spPr>
-      </p:pic>
-      <p:pic>
-        <p:nvPicPr>
-          <p:cNvPr id="4" name="Picture 4"/>
-          <p:cNvPicPr>
-            <a:picLocks noChangeAspect="1"/>
-          </p:cNvPicPr>
-          <p:nvPr/>
-        </p:nvPicPr>
-        <p:blipFill>
-          <a:blip r:embed="rId3"/>
-          <a:srcRect/>
-          <a:stretch>
-            <a:fillRect/>
-          </a:stretch>
-        </p:blipFill>
-        <p:spPr>
-          <a:xfrm>
-            <a:off x="17068800" y="495300"/>
-            <a:ext cx="884674" cy="670694"/>
-          </a:xfrm>
-          <a:prstGeom prst="rect">
-            <a:avLst/>
-          </a:prstGeom>
-        </p:spPr>
-      </p:pic>
-      <p:sp>
-        <p:nvSpPr>
-          <p:cNvPr id="7" name="TextBox 7"/>
-          <p:cNvSpPr txBox="1"/>
-          <p:nvPr/>
-        </p:nvSpPr>
-        <p:spPr>
-          <a:xfrm>
-            <a:off x="2375553" y="647700"/>
-            <a:ext cx="11730560" cy="9325630"/>
-          </a:xfrm>
-          <a:prstGeom prst="rect">
-            <a:avLst/>
-          </a:prstGeom>
-        </p:spPr>
-        <p:txBody>
-          <a:bodyPr wrap="square" lIns="0" tIns="0" rIns="0" bIns="0" rtlCol="0" anchor="t">
-            <a:spAutoFit/>
-          </a:bodyPr>
-          <a:lstStyle/>
-          <a:p>
-            <a:pPr>
-              <a:spcBef>
-                <a:spcPct val="0"/>
-              </a:spcBef>
-            </a:pPr>
-            <a:r>
-              <a:rPr lang="en-US" sz="5400" spc="56" dirty="0">
-                <a:solidFill>
-                  <a:srgbClr val="FFFFFF"/>
-                </a:solidFill>
-                <a:latin typeface="Montserrat Classic Bold"/>
-              </a:rPr>
-              <a:t>REST – </a:t>
-            </a:r>
-            <a:r>
-              <a:rPr lang="en-US" sz="5400" spc="56" dirty="0" err="1">
-                <a:solidFill>
-                  <a:srgbClr val="FFFFFF"/>
-                </a:solidFill>
-                <a:latin typeface="Montserrat Classic Bold"/>
-              </a:rPr>
-              <a:t>Metodi</a:t>
-            </a:r>
-            <a:r>
-              <a:rPr lang="en-US" sz="5400" spc="56" dirty="0">
-                <a:solidFill>
-                  <a:srgbClr val="FFFFFF"/>
-                </a:solidFill>
-                <a:latin typeface="Montserrat Classic Bold"/>
-              </a:rPr>
-              <a:t> request</a:t>
-            </a:r>
-          </a:p>
-          <a:p>
-            <a:pPr>
-              <a:spcBef>
-                <a:spcPct val="0"/>
-              </a:spcBef>
-            </a:pPr>
-            <a:endParaRPr lang="en-US" sz="2400" spc="56" dirty="0">
-              <a:solidFill>
-                <a:srgbClr val="FFFFFF"/>
-              </a:solidFill>
-              <a:latin typeface="Montserrat Classic Bold"/>
-            </a:endParaRPr>
-          </a:p>
-          <a:p>
-            <a:pPr>
-              <a:spcBef>
-                <a:spcPct val="0"/>
-              </a:spcBef>
-            </a:pPr>
-            <a:endParaRPr lang="en-US" sz="2400" spc="56" dirty="0">
-              <a:solidFill>
-                <a:srgbClr val="FFFFFF"/>
-              </a:solidFill>
-              <a:latin typeface="Montserrat Classic Bold"/>
-            </a:endParaRPr>
-          </a:p>
-          <a:p>
-            <a:pPr>
-              <a:spcBef>
-                <a:spcPct val="0"/>
-              </a:spcBef>
-            </a:pPr>
-            <a:endParaRPr lang="en-US" sz="2400" spc="56" dirty="0">
-              <a:solidFill>
-                <a:srgbClr val="FFFFFF"/>
-              </a:solidFill>
-              <a:latin typeface="Montserrat Classic Bold"/>
-            </a:endParaRPr>
-          </a:p>
-          <a:p>
-            <a:pPr>
-              <a:spcBef>
-                <a:spcPct val="0"/>
-              </a:spcBef>
-            </a:pPr>
-            <a:endParaRPr lang="en-US" sz="2400" spc="56" dirty="0">
-              <a:solidFill>
-                <a:srgbClr val="FFFFFF"/>
-              </a:solidFill>
-              <a:latin typeface="Montserrat Classic Bold"/>
-            </a:endParaRPr>
-          </a:p>
-          <a:p>
-            <a:pPr>
-              <a:spcBef>
-                <a:spcPct val="0"/>
-              </a:spcBef>
-            </a:pPr>
-            <a:endParaRPr lang="en-US" sz="2400" spc="56" dirty="0">
-              <a:solidFill>
-                <a:srgbClr val="FFFFFF"/>
-              </a:solidFill>
-              <a:latin typeface="Montserrat Classic Bold"/>
-            </a:endParaRPr>
-          </a:p>
-          <a:p>
-            <a:pPr>
-              <a:spcBef>
-                <a:spcPct val="0"/>
-              </a:spcBef>
-            </a:pPr>
-            <a:endParaRPr lang="en-US" sz="2400" spc="56" dirty="0">
-              <a:solidFill>
-                <a:srgbClr val="FFFFFF"/>
-              </a:solidFill>
-              <a:latin typeface="Montserrat Classic Bold"/>
-            </a:endParaRPr>
-          </a:p>
-          <a:p>
-            <a:pPr>
-              <a:spcBef>
-                <a:spcPct val="0"/>
-              </a:spcBef>
-            </a:pPr>
-            <a:endParaRPr lang="en-US" sz="2400" spc="56" dirty="0">
-              <a:solidFill>
-                <a:srgbClr val="FFFFFF"/>
-              </a:solidFill>
-              <a:latin typeface="Montserrat Classic Bold"/>
-            </a:endParaRPr>
-          </a:p>
-          <a:p>
-            <a:pPr>
-              <a:spcBef>
-                <a:spcPct val="0"/>
-              </a:spcBef>
-            </a:pPr>
-            <a:endParaRPr lang="en-US" sz="2400" spc="56" dirty="0">
-              <a:solidFill>
-                <a:srgbClr val="FFFFFF"/>
-              </a:solidFill>
-              <a:latin typeface="Montserrat Classic Bold"/>
-            </a:endParaRPr>
-          </a:p>
-          <a:p>
-            <a:pPr>
-              <a:spcBef>
-                <a:spcPct val="0"/>
-              </a:spcBef>
-            </a:pPr>
-            <a:endParaRPr lang="en-US" sz="2400" spc="56" dirty="0">
-              <a:solidFill>
-                <a:srgbClr val="FFFFFF"/>
-              </a:solidFill>
-              <a:latin typeface="Montserrat Classic Bold"/>
-            </a:endParaRPr>
-          </a:p>
-          <a:p>
-            <a:pPr>
-              <a:spcBef>
-                <a:spcPct val="0"/>
-              </a:spcBef>
-            </a:pPr>
-            <a:endParaRPr lang="en-US" sz="2400" spc="56" dirty="0">
-              <a:solidFill>
-                <a:srgbClr val="FFFFFF"/>
-              </a:solidFill>
-              <a:latin typeface="Montserrat Classic Bold"/>
-            </a:endParaRPr>
-          </a:p>
-          <a:p>
-            <a:pPr>
-              <a:spcBef>
-                <a:spcPct val="0"/>
-              </a:spcBef>
-            </a:pPr>
-            <a:endParaRPr lang="en-US" sz="2400" spc="56" dirty="0">
-              <a:solidFill>
-                <a:srgbClr val="FFFFFF"/>
-              </a:solidFill>
-              <a:latin typeface="Montserrat Classic Bold"/>
-            </a:endParaRPr>
-          </a:p>
-          <a:p>
-            <a:pPr>
-              <a:spcBef>
-                <a:spcPct val="0"/>
-              </a:spcBef>
-            </a:pPr>
-            <a:endParaRPr lang="en-US" sz="2400" spc="56" dirty="0">
-              <a:solidFill>
-                <a:srgbClr val="FFFFFF"/>
-              </a:solidFill>
-              <a:latin typeface="Montserrat Classic Bold"/>
-            </a:endParaRPr>
-          </a:p>
-          <a:p>
-            <a:pPr>
-              <a:spcBef>
-                <a:spcPct val="0"/>
-              </a:spcBef>
-            </a:pPr>
-            <a:endParaRPr lang="en-US" sz="2400" spc="56" dirty="0">
-              <a:solidFill>
-                <a:srgbClr val="FFFFFF"/>
-              </a:solidFill>
-              <a:latin typeface="Montserrat Classic Bold"/>
-            </a:endParaRPr>
-          </a:p>
-          <a:p>
-            <a:pPr>
-              <a:spcBef>
-                <a:spcPct val="0"/>
-              </a:spcBef>
-            </a:pPr>
-            <a:endParaRPr lang="en-US" sz="2400" spc="56" dirty="0">
-              <a:solidFill>
-                <a:srgbClr val="FFFFFF"/>
-              </a:solidFill>
-              <a:latin typeface="Montserrat Classic Bold"/>
-            </a:endParaRPr>
-          </a:p>
-          <a:p>
-            <a:pPr>
-              <a:spcBef>
-                <a:spcPct val="0"/>
-              </a:spcBef>
-            </a:pPr>
-            <a:endParaRPr lang="en-US" sz="2400" spc="56" dirty="0">
-              <a:solidFill>
-                <a:srgbClr val="FFFFFF"/>
-              </a:solidFill>
-              <a:latin typeface="Montserrat Classic Bold"/>
-            </a:endParaRPr>
-          </a:p>
-          <a:p>
-            <a:pPr>
-              <a:spcBef>
-                <a:spcPct val="0"/>
-              </a:spcBef>
-            </a:pPr>
-            <a:endParaRPr lang="en-US" sz="2400" spc="56" dirty="0">
-              <a:solidFill>
-                <a:srgbClr val="FFFFFF"/>
-              </a:solidFill>
-              <a:latin typeface="Montserrat Classic Bold"/>
-            </a:endParaRPr>
-          </a:p>
-          <a:p>
-            <a:pPr>
-              <a:spcBef>
-                <a:spcPct val="0"/>
-              </a:spcBef>
-            </a:pPr>
-            <a:endParaRPr lang="en-US" sz="2400" spc="56" dirty="0">
-              <a:solidFill>
-                <a:srgbClr val="FFFFFF"/>
-              </a:solidFill>
-              <a:latin typeface="Montserrat Classic Bold"/>
-            </a:endParaRPr>
-          </a:p>
-          <a:p>
-            <a:pPr>
-              <a:spcBef>
-                <a:spcPct val="0"/>
-              </a:spcBef>
-            </a:pPr>
-            <a:r>
-              <a:rPr lang="en-US" sz="2400" spc="56" dirty="0">
-                <a:solidFill>
-                  <a:srgbClr val="FFFFFF"/>
-                </a:solidFill>
-                <a:latin typeface="Montserrat Classic Bold"/>
-              </a:rPr>
-              <a:t>Stateless: l</a:t>
-            </a:r>
-            <a:r>
-              <a:rPr lang="it-IT" sz="2400" spc="56" dirty="0">
-                <a:solidFill>
-                  <a:srgbClr val="FFFFFF"/>
-                </a:solidFill>
-                <a:latin typeface="Montserrat Classic Bold"/>
-              </a:rPr>
-              <a:t>e richieste client devono contenere tutte le info necessarie per eseguirla; il server non deve memorizzare lo stato del client tra una richiesta e l'altra</a:t>
-            </a:r>
-          </a:p>
-          <a:p>
-            <a:pPr>
-              <a:spcBef>
-                <a:spcPct val="0"/>
-              </a:spcBef>
-            </a:pPr>
-            <a:endParaRPr lang="it-IT" sz="2400" spc="56" dirty="0">
-              <a:solidFill>
-                <a:srgbClr val="FFFFFF"/>
-              </a:solidFill>
-              <a:latin typeface="Montserrat Classic Bold"/>
-            </a:endParaRPr>
-          </a:p>
-          <a:p>
-            <a:pPr>
-              <a:spcBef>
-                <a:spcPct val="0"/>
-              </a:spcBef>
-            </a:pPr>
-            <a:r>
-              <a:rPr lang="it-IT" sz="2400" spc="56" dirty="0">
-                <a:solidFill>
-                  <a:srgbClr val="FFFFFF"/>
-                </a:solidFill>
-                <a:latin typeface="Montserrat Classic Bold"/>
-              </a:rPr>
-              <a:t>Risorsa: elemento di interesse nel dominio dell'applicazione</a:t>
-            </a:r>
-          </a:p>
-          <a:p>
-            <a:pPr>
-              <a:spcBef>
-                <a:spcPct val="0"/>
-              </a:spcBef>
-            </a:pPr>
-            <a:endParaRPr lang="en-US" sz="2400" spc="56" dirty="0">
-              <a:solidFill>
-                <a:srgbClr val="FFFFFF"/>
-              </a:solidFill>
-              <a:latin typeface="Montserrat Classic Bold"/>
-            </a:endParaRPr>
-          </a:p>
-        </p:txBody>
-      </p:sp>
-      <p:pic>
-        <p:nvPicPr>
-          <p:cNvPr id="8" name="Immagine 6">
-            <a:extLst>
-              <a:ext uri="{FF2B5EF4-FFF2-40B4-BE49-F238E27FC236}">
-                <a16:creationId xmlns:a16="http://schemas.microsoft.com/office/drawing/2014/main" id="{0FE9E928-1556-471D-AAED-04F0631BE0C1}"/>
-              </a:ext>
-            </a:extLst>
-          </p:cNvPr>
-          <p:cNvPicPr>
-            <a:picLocks noChangeAspect="1"/>
-          </p:cNvPicPr>
-          <p:nvPr/>
-        </p:nvPicPr>
-        <p:blipFill>
-          <a:blip r:embed="rId4"/>
-          <a:stretch>
-            <a:fillRect/>
-          </a:stretch>
-        </p:blipFill>
-        <p:spPr>
-          <a:xfrm>
-            <a:off x="3048000" y="1638300"/>
-            <a:ext cx="10668000" cy="5399181"/>
-          </a:xfrm>
-          <a:prstGeom prst="rect">
-            <a:avLst/>
-          </a:prstGeom>
-        </p:spPr>
-      </p:pic>
-    </p:spTree>
-    <p:extLst>
-      <p:ext uri="{BB962C8B-B14F-4D97-AF65-F5344CB8AC3E}">
-        <p14:creationId xmlns:p14="http://schemas.microsoft.com/office/powerpoint/2010/main" val="2610571652"/>
       </p:ext>
     </p:extLst>
   </p:cSld>
@@ -7260,16 +8331,16 @@
                 </a:solidFill>
                 <a:latin typeface="Montserrat Classic Bold"/>
               </a:rPr>
-              <a:t>REST </a:t>
-            </a:r>
-            <a:r>
-              <a:rPr lang="en-US" sz="5400" spc="56">
-                <a:solidFill>
-                  <a:srgbClr val="FFFFFF"/>
-                </a:solidFill>
-                <a:latin typeface="Montserrat Classic Bold"/>
-              </a:rPr>
-              <a:t>– Errori </a:t>
+              <a:t>REST – </a:t>
+            </a:r>
+            <a:r>
+              <a:rPr lang="en-US" sz="5400" spc="56" dirty="0" err="1">
+                <a:solidFill>
+                  <a:srgbClr val="FFFFFF"/>
+                </a:solidFill>
+                <a:latin typeface="Montserrat Classic Bold"/>
+              </a:rPr>
+              <a:t>Metodi</a:t>
             </a:r>
             <a:r>
               <a:rPr lang="en-US" sz="5400" spc="56" dirty="0">
@@ -7278,7 +8349,7 @@
                 </a:solidFill>
                 <a:latin typeface="Montserrat Classic Bold"/>
               </a:rPr>
-              <a:t>HTTP</a:t>
+              <a:t> request</a:t>
             </a:r>
           </a:p>
           <a:p>
@@ -7519,10 +8590,10 @@
       </p:sp>
       <p:pic>
         <p:nvPicPr>
-          <p:cNvPr id="9" name="Immagine 6">
+          <p:cNvPr id="8" name="Immagine 6">
             <a:extLst>
               <a:ext uri="{FF2B5EF4-FFF2-40B4-BE49-F238E27FC236}">
-                <a16:creationId xmlns:a16="http://schemas.microsoft.com/office/drawing/2014/main" id="{B303544F-4FFE-498D-82C1-9A1A3FC97A09}"/>
+                <a16:creationId xmlns:a16="http://schemas.microsoft.com/office/drawing/2014/main" id="{0FE9E928-1556-471D-AAED-04F0631BE0C1}"/>
               </a:ext>
             </a:extLst>
           </p:cNvPr>
@@ -7539,8 +8610,8 @@
         </p:blipFill>
         <p:spPr>
           <a:xfrm>
-            <a:off x="3558642" y="1732787"/>
-            <a:ext cx="9364382" cy="5639587"/>
+            <a:off x="3048000" y="1638300"/>
+            <a:ext cx="10668000" cy="5399181"/>
           </a:xfrm>
           <a:prstGeom prst="rect">
             <a:avLst/>
@@ -7550,7 +8621,7 @@
     </p:spTree>
     <p:extLst>
       <p:ext uri="{BB962C8B-B14F-4D97-AF65-F5344CB8AC3E}">
-        <p14:creationId xmlns:p14="http://schemas.microsoft.com/office/powerpoint/2010/main" val="3584222520"/>
+        <p14:creationId xmlns:p14="http://schemas.microsoft.com/office/powerpoint/2010/main" val="2610571652"/>
       </p:ext>
     </p:extLst>
   </p:cSld>
